--- a/PPT/ch14 Selenium基础/1401 自动化测试体系.pptx
+++ b/PPT/ch14 Selenium基础/1401 自动化测试体系.pptx
@@ -4388,6 +4388,13 @@
   <p:clrMapOvr>
     <a:masterClrMapping/>
   </p:clrMapOvr>
+  <p:timing>
+    <p:tnLst>
+      <p:par>
+        <p:cTn id="1" dur="indefinite" restart="never" nodeType="tmRoot"/>
+      </p:par>
+    </p:tnLst>
+  </p:timing>
 </p:sld>
 </file>
 
@@ -4497,11 +4504,15 @@
             </a:r>
             <a:r>
               <a:rPr lang="zh-CN" altLang="en-US" sz="2400" dirty="0"/>
-              <a:t>构建后的测试验证</a:t>
-            </a:r>
-            <a:r>
-              <a:rPr lang="zh-CN" altLang="en-US" sz="2400" dirty="0" smtClean="0"/>
-              <a:t>。</a:t>
+              <a:t>构建后的测试</a:t>
+            </a:r>
+            <a:r>
+              <a:rPr lang="zh-CN" altLang="en-US" sz="2400"/>
+              <a:t>验证</a:t>
+            </a:r>
+            <a:r>
+              <a:rPr lang="zh-CN" altLang="en-US" sz="2400" smtClean="0"/>
+              <a:t>。（持续性集成）</a:t>
             </a:r>
             <a:endParaRPr lang="en-US" altLang="zh-CN" sz="2400" dirty="0" smtClean="0"/>
           </a:p>
@@ -4843,6 +4854,13 @@
   <p:clrMapOvr>
     <a:masterClrMapping/>
   </p:clrMapOvr>
+  <p:timing>
+    <p:tnLst>
+      <p:par>
+        <p:cTn id="1" dur="indefinite" restart="never" nodeType="tmRoot"/>
+      </p:par>
+    </p:tnLst>
+  </p:timing>
 </p:sld>
 </file>
 
@@ -5002,6 +5020,13 @@
   <p:clrMapOvr>
     <a:masterClrMapping/>
   </p:clrMapOvr>
+  <p:timing>
+    <p:tnLst>
+      <p:par>
+        <p:cTn id="1" dur="indefinite" restart="never" nodeType="tmRoot"/>
+      </p:par>
+    </p:tnLst>
+  </p:timing>
 </p:sld>
 </file>
 
@@ -5337,6 +5362,13 @@
   <p:clrMapOvr>
     <a:masterClrMapping/>
   </p:clrMapOvr>
+  <p:timing>
+    <p:tnLst>
+      <p:par>
+        <p:cTn id="1" dur="indefinite" restart="never" nodeType="tmRoot"/>
+      </p:par>
+    </p:tnLst>
+  </p:timing>
 </p:sld>
 </file>
 
@@ -5662,6 +5694,13 @@
   <p:clrMapOvr>
     <a:masterClrMapping/>
   </p:clrMapOvr>
+  <p:timing>
+    <p:tnLst>
+      <p:par>
+        <p:cTn id="1" dur="indefinite" restart="never" nodeType="tmRoot"/>
+      </p:par>
+    </p:tnLst>
+  </p:timing>
 </p:sld>
 </file>
 
@@ -5760,6 +5799,13 @@
   <p:clrMapOvr>
     <a:masterClrMapping/>
   </p:clrMapOvr>
+  <p:timing>
+    <p:tnLst>
+      <p:par>
+        <p:cTn id="1" dur="indefinite" restart="never" nodeType="tmRoot"/>
+      </p:par>
+    </p:tnLst>
+  </p:timing>
 </p:sld>
 </file>
 
@@ -5890,6 +5936,13 @@
   <p:clrMapOvr>
     <a:masterClrMapping/>
   </p:clrMapOvr>
+  <p:timing>
+    <p:tnLst>
+      <p:par>
+        <p:cTn id="1" dur="indefinite" restart="never" nodeType="tmRoot"/>
+      </p:par>
+    </p:tnLst>
+  </p:timing>
 </p:sld>
 </file>
 
@@ -6047,6 +6100,13 @@
   <p:clrMapOvr>
     <a:masterClrMapping/>
   </p:clrMapOvr>
+  <p:timing>
+    <p:tnLst>
+      <p:par>
+        <p:cTn id="1" dur="indefinite" restart="never" nodeType="tmRoot"/>
+      </p:par>
+    </p:tnLst>
+  </p:timing>
 </p:sld>
 </file>
 
@@ -6212,6 +6272,13 @@
   <p:clrMapOvr>
     <a:masterClrMapping/>
   </p:clrMapOvr>
+  <p:timing>
+    <p:tnLst>
+      <p:par>
+        <p:cTn id="1" dur="indefinite" restart="never" nodeType="tmRoot"/>
+      </p:par>
+    </p:tnLst>
+  </p:timing>
 </p:sld>
 </file>
 
@@ -6371,6 +6438,13 @@
   <p:clrMapOvr>
     <a:masterClrMapping/>
   </p:clrMapOvr>
+  <p:timing>
+    <p:tnLst>
+      <p:par>
+        <p:cTn id="1" dur="indefinite" restart="never" nodeType="tmRoot"/>
+      </p:par>
+    </p:tnLst>
+  </p:timing>
 </p:sld>
 </file>
 
@@ -6721,6 +6795,13 @@
   <p:clrMapOvr>
     <a:masterClrMapping/>
   </p:clrMapOvr>
+  <p:timing>
+    <p:tnLst>
+      <p:par>
+        <p:cTn id="1" dur="indefinite" restart="never" nodeType="tmRoot"/>
+      </p:par>
+    </p:tnLst>
+  </p:timing>
 </p:sld>
 </file>
 
@@ -6921,6 +7002,13 @@
   <p:clrMapOvr>
     <a:masterClrMapping/>
   </p:clrMapOvr>
+  <p:timing>
+    <p:tnLst>
+      <p:par>
+        <p:cTn id="1" dur="indefinite" restart="never" nodeType="tmRoot"/>
+      </p:par>
+    </p:tnLst>
+  </p:timing>
 </p:sld>
 </file>
 
@@ -7038,6 +7126,13 @@
   <p:clrMapOvr>
     <a:masterClrMapping/>
   </p:clrMapOvr>
+  <p:timing>
+    <p:tnLst>
+      <p:par>
+        <p:cTn id="1" dur="indefinite" restart="never" nodeType="tmRoot"/>
+      </p:par>
+    </p:tnLst>
+  </p:timing>
 </p:sld>
 </file>
 
